--- a/微服务ppt.pptx
+++ b/微服务ppt.pptx
@@ -225,7 +225,7 @@
           <a:p>
             <a:fld id="{E5204193-227A-4E62-BDE4-F0638C9FCB0F}" type="datetimeFigureOut">
               <a:rPr lang="zh-CN" altLang="en-US" smtClean="0"/>
-              <a:t>2020/6/19</a:t>
+              <a:t>2020/6/20</a:t>
             </a:fld>
             <a:endParaRPr lang="zh-CN" altLang="en-US"/>
           </a:p>
@@ -981,7 +981,7 @@
           <a:p>
             <a:fld id="{3A6C9B83-6061-45F5-B9BA-2813905A80F6}" type="datetimeFigureOut">
               <a:rPr lang="zh-CN" altLang="en-US" smtClean="0"/>
-              <a:t>2020/6/19</a:t>
+              <a:t>2020/6/20</a:t>
             </a:fld>
             <a:endParaRPr lang="zh-CN" altLang="en-US"/>
           </a:p>
@@ -1191,7 +1191,7 @@
           <a:p>
             <a:fld id="{3A6C9B83-6061-45F5-B9BA-2813905A80F6}" type="datetimeFigureOut">
               <a:rPr lang="zh-CN" altLang="en-US" smtClean="0"/>
-              <a:t>2020/6/19</a:t>
+              <a:t>2020/6/20</a:t>
             </a:fld>
             <a:endParaRPr lang="zh-CN" altLang="en-US"/>
           </a:p>
@@ -1694,7 +1694,7 @@
           <a:p>
             <a:fld id="{3A6C9B83-6061-45F5-B9BA-2813905A80F6}" type="datetimeFigureOut">
               <a:rPr lang="zh-CN" altLang="en-US" smtClean="0"/>
-              <a:t>2020/6/19</a:t>
+              <a:t>2020/6/20</a:t>
             </a:fld>
             <a:endParaRPr lang="zh-CN" altLang="en-US"/>
           </a:p>
@@ -1981,7 +1981,7 @@
           <a:p>
             <a:fld id="{3A6C9B83-6061-45F5-B9BA-2813905A80F6}" type="datetimeFigureOut">
               <a:rPr lang="zh-CN" altLang="en-US" smtClean="0"/>
-              <a:t>2020/6/19</a:t>
+              <a:t>2020/6/20</a:t>
             </a:fld>
             <a:endParaRPr lang="zh-CN" altLang="en-US"/>
           </a:p>
@@ -2258,7 +2258,7 @@
           <a:p>
             <a:fld id="{3A6C9B83-6061-45F5-B9BA-2813905A80F6}" type="datetimeFigureOut">
               <a:rPr lang="zh-CN" altLang="en-US" smtClean="0"/>
-              <a:t>2020/6/19</a:t>
+              <a:t>2020/6/20</a:t>
             </a:fld>
             <a:endParaRPr lang="zh-CN" altLang="en-US"/>
           </a:p>
@@ -2682,7 +2682,7 @@
           <a:p>
             <a:fld id="{3A6C9B83-6061-45F5-B9BA-2813905A80F6}" type="datetimeFigureOut">
               <a:rPr lang="zh-CN" altLang="en-US" smtClean="0"/>
-              <a:t>2020/6/19</a:t>
+              <a:t>2020/6/20</a:t>
             </a:fld>
             <a:endParaRPr lang="zh-CN" altLang="en-US"/>
           </a:p>
@@ -2835,7 +2835,7 @@
           <a:p>
             <a:fld id="{3A6C9B83-6061-45F5-B9BA-2813905A80F6}" type="datetimeFigureOut">
               <a:rPr lang="zh-CN" altLang="en-US" smtClean="0"/>
-              <a:t>2020/6/19</a:t>
+              <a:t>2020/6/20</a:t>
             </a:fld>
             <a:endParaRPr lang="zh-CN" altLang="en-US"/>
           </a:p>
@@ -2960,7 +2960,7 @@
           <a:p>
             <a:fld id="{3A6C9B83-6061-45F5-B9BA-2813905A80F6}" type="datetimeFigureOut">
               <a:rPr lang="zh-CN" altLang="en-US" smtClean="0"/>
-              <a:t>2020/6/19</a:t>
+              <a:t>2020/6/20</a:t>
             </a:fld>
             <a:endParaRPr lang="zh-CN" altLang="en-US"/>
           </a:p>
@@ -3283,7 +3283,7 @@
           <a:p>
             <a:fld id="{3A6C9B83-6061-45F5-B9BA-2813905A80F6}" type="datetimeFigureOut">
               <a:rPr lang="zh-CN" altLang="en-US" smtClean="0"/>
-              <a:t>2020/6/19</a:t>
+              <a:t>2020/6/20</a:t>
             </a:fld>
             <a:endParaRPr lang="zh-CN" altLang="en-US"/>
           </a:p>
@@ -3583,7 +3583,7 @@
           <a:p>
             <a:fld id="{3A6C9B83-6061-45F5-B9BA-2813905A80F6}" type="datetimeFigureOut">
               <a:rPr lang="zh-CN" altLang="en-US" smtClean="0"/>
-              <a:t>2020/6/19</a:t>
+              <a:t>2020/6/20</a:t>
             </a:fld>
             <a:endParaRPr lang="zh-CN" altLang="en-US"/>
           </a:p>
@@ -3839,7 +3839,7 @@
           <a:p>
             <a:fld id="{3A6C9B83-6061-45F5-B9BA-2813905A80F6}" type="datetimeFigureOut">
               <a:rPr lang="zh-CN" altLang="en-US" smtClean="0"/>
-              <a:t>2020/6/19</a:t>
+              <a:t>2020/6/20</a:t>
             </a:fld>
             <a:endParaRPr lang="zh-CN" altLang="en-US"/>
           </a:p>
@@ -10449,12 +10449,42 @@
           </a:prstGeom>
         </p:spPr>
       </p:pic>
+      <p:pic>
+        <p:nvPicPr>
+          <p:cNvPr id="2" name="图片 1">
+            <a:extLst>
+              <a:ext uri="{FF2B5EF4-FFF2-40B4-BE49-F238E27FC236}">
+                <a16:creationId xmlns:a16="http://schemas.microsoft.com/office/drawing/2014/main" id="{AEA3B26A-695A-4FC1-A5D2-AE2043E3CA8D}"/>
+              </a:ext>
+            </a:extLst>
+          </p:cNvPr>
+          <p:cNvPicPr>
+            <a:picLocks noChangeAspect="1"/>
+          </p:cNvPicPr>
+          <p:nvPr/>
+        </p:nvPicPr>
+        <p:blipFill>
+          <a:blip r:embed="rId4"/>
+          <a:stretch>
+            <a:fillRect/>
+          </a:stretch>
+        </p:blipFill>
+        <p:spPr>
+          <a:xfrm>
+            <a:off x="7029501" y="1351246"/>
+            <a:ext cx="2698873" cy="2328523"/>
+          </a:xfrm>
+          <a:prstGeom prst="rect">
+            <a:avLst/>
+          </a:prstGeom>
+        </p:spPr>
+      </p:pic>
       <p:sp>
         <p:nvSpPr>
-          <p:cNvPr id="7" name="文本框 6">
+          <p:cNvPr id="3" name="文本框 2">
             <a:extLst>
               <a:ext uri="{FF2B5EF4-FFF2-40B4-BE49-F238E27FC236}">
-                <a16:creationId xmlns:a16="http://schemas.microsoft.com/office/drawing/2014/main" id="{8B35CF76-EBB3-4A4A-9716-472B0B37E052}"/>
+                <a16:creationId xmlns:a16="http://schemas.microsoft.com/office/drawing/2014/main" id="{6378924D-1A9C-439C-8CC6-92467C80DEC9}"/>
               </a:ext>
             </a:extLst>
           </p:cNvPr>
@@ -10463,8 +10493,8 @@
         </p:nvSpPr>
         <p:spPr>
           <a:xfrm>
-            <a:off x="5884456" y="3545126"/>
-            <a:ext cx="5814828" cy="2790187"/>
+            <a:off x="5884457" y="4153988"/>
+            <a:ext cx="5976618" cy="1866858"/>
           </a:xfrm>
           <a:prstGeom prst="rect">
             <a:avLst/>
@@ -10483,11 +10513,18 @@
               </a:lnSpc>
             </a:pPr>
             <a:r>
+              <a:rPr lang="zh-CN" altLang="en-US" sz="2000" b="1" dirty="0">
+                <a:latin typeface="黑体" panose="02010609060101010101" pitchFamily="49" charset="-122"/>
+                <a:ea typeface="黑体" panose="02010609060101010101" pitchFamily="49" charset="-122"/>
+              </a:rPr>
+              <a:t>软件开发教父，</a:t>
+            </a:r>
+            <a:r>
               <a:rPr lang="en-US" altLang="zh-CN" sz="2000" b="1" dirty="0">
                 <a:latin typeface="黑体" panose="02010609060101010101" pitchFamily="49" charset="-122"/>
                 <a:ea typeface="黑体" panose="02010609060101010101" pitchFamily="49" charset="-122"/>
               </a:rPr>
-              <a:t>Sam Newman</a:t>
+              <a:t>Martin Fowler</a:t>
             </a:r>
             <a:r>
               <a:rPr lang="zh-CN" altLang="en-US" sz="2000" b="1" dirty="0">
@@ -10501,158 +10538,28 @@
                 <a:latin typeface="黑体" panose="02010609060101010101" pitchFamily="49" charset="-122"/>
                 <a:ea typeface="黑体" panose="02010609060101010101" pitchFamily="49" charset="-122"/>
               </a:rPr>
-              <a:t>Martin Fowler </a:t>
+              <a:t>2014</a:t>
             </a:r>
             <a:r>
               <a:rPr lang="zh-CN" altLang="en-US" sz="2000" b="1" dirty="0">
                 <a:latin typeface="黑体" panose="02010609060101010101" pitchFamily="49" charset="-122"/>
                 <a:ea typeface="黑体" panose="02010609060101010101" pitchFamily="49" charset="-122"/>
               </a:rPr>
-              <a:t>和 </a:t>
+              <a:t>年</a:t>
             </a:r>
             <a:r>
               <a:rPr lang="en-US" altLang="zh-CN" sz="2000" b="1" dirty="0">
                 <a:latin typeface="黑体" panose="02010609060101010101" pitchFamily="49" charset="-122"/>
                 <a:ea typeface="黑体" panose="02010609060101010101" pitchFamily="49" charset="-122"/>
               </a:rPr>
-              <a:t>James Lewis </a:t>
+              <a:t>Martin Fowler</a:t>
             </a:r>
             <a:r>
               <a:rPr lang="zh-CN" altLang="en-US" sz="2000" b="1" dirty="0">
                 <a:latin typeface="黑体" panose="02010609060101010101" pitchFamily="49" charset="-122"/>
                 <a:ea typeface="黑体" panose="02010609060101010101" pitchFamily="49" charset="-122"/>
               </a:rPr>
-              <a:t>的 </a:t>
-            </a:r>
-            <a:endParaRPr lang="en-US" altLang="zh-CN" sz="2000" b="1" dirty="0">
-              <a:latin typeface="黑体" panose="02010609060101010101" pitchFamily="49" charset="-122"/>
-              <a:ea typeface="黑体" panose="02010609060101010101" pitchFamily="49" charset="-122"/>
-            </a:endParaRPr>
-          </a:p>
-          <a:p>
-            <a:pPr>
-              <a:lnSpc>
-                <a:spcPct val="150000"/>
-              </a:lnSpc>
-            </a:pPr>
-            <a:r>
-              <a:rPr lang="zh-CN" altLang="en-US" sz="2000" b="1" dirty="0">
-                <a:latin typeface="黑体" panose="02010609060101010101" pitchFamily="49" charset="-122"/>
-                <a:ea typeface="黑体" panose="02010609060101010101" pitchFamily="49" charset="-122"/>
-              </a:rPr>
-              <a:t>前同事，</a:t>
-            </a:r>
-            <a:r>
-              <a:rPr lang="en-US" altLang="zh-CN" sz="2000" b="1" dirty="0">
-                <a:latin typeface="黑体" panose="02010609060101010101" pitchFamily="49" charset="-122"/>
-                <a:ea typeface="黑体" panose="02010609060101010101" pitchFamily="49" charset="-122"/>
-              </a:rPr>
-              <a:t>《Building Microservices》</a:t>
-            </a:r>
-            <a:r>
-              <a:rPr lang="zh-CN" altLang="en-US" sz="2000" b="1" dirty="0">
-                <a:latin typeface="黑体" panose="02010609060101010101" pitchFamily="49" charset="-122"/>
-                <a:ea typeface="黑体" panose="02010609060101010101" pitchFamily="49" charset="-122"/>
-              </a:rPr>
-              <a:t>和</a:t>
-            </a:r>
-            <a:r>
-              <a:rPr lang="en-US" altLang="zh-CN" sz="2000" b="1" dirty="0">
-                <a:latin typeface="黑体" panose="02010609060101010101" pitchFamily="49" charset="-122"/>
-                <a:ea typeface="黑体" panose="02010609060101010101" pitchFamily="49" charset="-122"/>
-              </a:rPr>
-              <a:t>《Monolith To Microservices》</a:t>
-            </a:r>
-            <a:r>
-              <a:rPr lang="zh-CN" altLang="en-US" sz="2000" b="1" dirty="0">
-                <a:latin typeface="黑体" panose="02010609060101010101" pitchFamily="49" charset="-122"/>
-                <a:ea typeface="黑体" panose="02010609060101010101" pitchFamily="49" charset="-122"/>
-              </a:rPr>
-              <a:t>这两本的作者，前一本中文版叫</a:t>
-            </a:r>
-            <a:r>
-              <a:rPr lang="en-US" altLang="zh-CN" sz="2000" b="1" dirty="0">
-                <a:latin typeface="黑体" panose="02010609060101010101" pitchFamily="49" charset="-122"/>
-                <a:ea typeface="黑体" panose="02010609060101010101" pitchFamily="49" charset="-122"/>
-              </a:rPr>
-              <a:t>《</a:t>
-            </a:r>
-            <a:r>
-              <a:rPr lang="zh-CN" altLang="en-US" sz="2000" b="1" dirty="0">
-                <a:latin typeface="黑体" panose="02010609060101010101" pitchFamily="49" charset="-122"/>
-                <a:ea typeface="黑体" panose="02010609060101010101" pitchFamily="49" charset="-122"/>
-              </a:rPr>
-              <a:t>微服务设计</a:t>
-            </a:r>
-            <a:r>
-              <a:rPr lang="en-US" altLang="zh-CN" sz="2000" b="1" dirty="0">
-                <a:latin typeface="黑体" panose="02010609060101010101" pitchFamily="49" charset="-122"/>
-                <a:ea typeface="黑体" panose="02010609060101010101" pitchFamily="49" charset="-122"/>
-              </a:rPr>
-              <a:t>》</a:t>
-            </a:r>
-            <a:r>
-              <a:rPr lang="zh-CN" altLang="en-US" sz="2000" b="1" dirty="0">
-                <a:latin typeface="黑体" panose="02010609060101010101" pitchFamily="49" charset="-122"/>
-                <a:ea typeface="黑体" panose="02010609060101010101" pitchFamily="49" charset="-122"/>
-              </a:rPr>
-              <a:t>，同时也是 </a:t>
-            </a:r>
-            <a:r>
-              <a:rPr lang="en-US" altLang="zh-CN" sz="2000" b="1" dirty="0">
-                <a:latin typeface="黑体" panose="02010609060101010101" pitchFamily="49" charset="-122"/>
-                <a:ea typeface="黑体" panose="02010609060101010101" pitchFamily="49" charset="-122"/>
-              </a:rPr>
-              <a:t>2014 </a:t>
-            </a:r>
-            <a:r>
-              <a:rPr lang="zh-CN" altLang="en-US" sz="2000" b="1" dirty="0">
-                <a:latin typeface="黑体" panose="02010609060101010101" pitchFamily="49" charset="-122"/>
-                <a:ea typeface="黑体" panose="02010609060101010101" pitchFamily="49" charset="-122"/>
-              </a:rPr>
-              <a:t>年著名的推特论战</a:t>
-            </a:r>
-            <a:r>
-              <a:rPr lang="en-US" altLang="zh-CN" sz="2000" b="1" dirty="0">
-                <a:latin typeface="黑体" panose="02010609060101010101" pitchFamily="49" charset="-122"/>
-                <a:ea typeface="黑体" panose="02010609060101010101" pitchFamily="49" charset="-122"/>
-              </a:rPr>
-              <a:t>《</a:t>
-            </a:r>
-            <a:r>
-              <a:rPr lang="zh-CN" altLang="en-US" sz="2000" b="1" dirty="0">
-                <a:latin typeface="黑体" panose="02010609060101010101" pitchFamily="49" charset="-122"/>
-                <a:ea typeface="黑体" panose="02010609060101010101" pitchFamily="49" charset="-122"/>
-              </a:rPr>
-              <a:t>单体应用 </a:t>
-            </a:r>
-            <a:r>
-              <a:rPr lang="en-US" altLang="zh-CN" sz="2000" b="1" dirty="0">
-                <a:latin typeface="黑体" panose="02010609060101010101" pitchFamily="49" charset="-122"/>
-                <a:ea typeface="黑体" panose="02010609060101010101" pitchFamily="49" charset="-122"/>
-              </a:rPr>
-              <a:t>vs </a:t>
-            </a:r>
-            <a:r>
-              <a:rPr lang="zh-CN" altLang="en-US" sz="2000" b="1" dirty="0">
-                <a:latin typeface="黑体" panose="02010609060101010101" pitchFamily="49" charset="-122"/>
-                <a:ea typeface="黑体" panose="02010609060101010101" pitchFamily="49" charset="-122"/>
-              </a:rPr>
-              <a:t>微服务应用</a:t>
-            </a:r>
-            <a:r>
-              <a:rPr lang="en-US" altLang="zh-CN" sz="2000" b="1" dirty="0">
-                <a:latin typeface="黑体" panose="02010609060101010101" pitchFamily="49" charset="-122"/>
-                <a:ea typeface="黑体" panose="02010609060101010101" pitchFamily="49" charset="-122"/>
-              </a:rPr>
-              <a:t>》</a:t>
-            </a:r>
-            <a:r>
-              <a:rPr lang="zh-CN" altLang="en-US" sz="2000" b="1" dirty="0">
-                <a:latin typeface="黑体" panose="02010609060101010101" pitchFamily="49" charset="-122"/>
-                <a:ea typeface="黑体" panose="02010609060101010101" pitchFamily="49" charset="-122"/>
-              </a:rPr>
-              <a:t>的主角之一。</a:t>
+              <a:t>正式提出了“微服务”的概念。将功能分解到离散的各个服务当中，从而降低系统的耦合性，并提供更加灵活的服务支持。</a:t>
             </a:r>
           </a:p>
         </p:txBody>
